--- a/images/Telegram_network.pptx
+++ b/images/Telegram_network.pptx
@@ -3275,7 +3275,7 @@
                           </a:solidFill>
                           <a:latin typeface="Calibri" panose="020F0502020204030204" charset="0"/>
                         </a:rPr>
-                        <a:t>U/B</a:t>
+                        <a:t>U</a:t>
                       </a:r>
                       <a:endParaRPr lang="zh-CN" altLang="en-US" sz="1185" dirty="0">
                         <a:solidFill>
@@ -3299,26 +3299,6 @@
                           <a:sym typeface="Arial" panose="020B0604020202020204" pitchFamily="34" charset="0"/>
                         </a:rPr>
                         <a:t>DM </a:t>
-                      </a:r>
-                      <a:r>
-                        <a:rPr lang="en-US" altLang="zh-CN" sz="1185" dirty="0">
-                          <a:sym typeface="Arial" panose="020B0604020202020204" pitchFamily="34" charset="0"/>
-                        </a:rPr>
-                        <a:t>VLAN</a:t>
-                      </a:r>
-                      <a:endParaRPr lang="zh-CN" altLang="en-US" sz="1185" dirty="0">
-                        <a:sym typeface="Arial" panose="020B0604020202020204" pitchFamily="34" charset="0"/>
-                      </a:endParaRPr>
-                    </a:p>
-                    <a:p>
-                      <a:pPr marL="0" lvl="0" indent="0">
-                        <a:buNone/>
-                      </a:pPr>
-                      <a:r>
-                        <a:rPr lang="zh-CN" altLang="en-US" sz="1185" dirty="0">
-                          <a:sym typeface="Arial" panose="020B0604020202020204" pitchFamily="34" charset="0"/>
-                        </a:rPr>
-                        <a:t>/B2B </a:t>
                       </a:r>
                       <a:r>
                         <a:rPr lang="en-US" altLang="zh-CN" sz="1185" dirty="0">
@@ -4752,8 +4732,8 @@
         </p:nvSpPr>
         <p:spPr>
           <a:xfrm flipV="1">
-            <a:off x="7420575" y="1709170"/>
-            <a:ext cx="1066800" cy="635"/>
+            <a:off x="6569075" y="2110105"/>
+            <a:ext cx="1891665" cy="635"/>
           </a:xfrm>
           <a:prstGeom prst="line">
             <a:avLst/>
@@ -4762,7 +4742,7 @@
             <a:solidFill>
               <a:schemeClr val="tx1"/>
             </a:solidFill>
-            <a:prstDash val="solid"/>
+            <a:prstDash val="dash"/>
             <a:miter/>
             <a:headEnd type="oval" w="med" len="med"/>
             <a:tailEnd type="triangle" w="med" len="med"/>
@@ -4787,7 +4767,7 @@
         </p:nvSpPr>
         <p:spPr>
           <a:xfrm>
-            <a:off x="8461340" y="1707900"/>
+            <a:off x="8460705" y="2109855"/>
             <a:ext cx="2169160" cy="2540"/>
           </a:xfrm>
           <a:prstGeom prst="line">
@@ -4797,7 +4777,7 @@
             <a:solidFill>
               <a:schemeClr val="tx1"/>
             </a:solidFill>
-            <a:prstDash val="solid"/>
+            <a:prstDash val="dash"/>
             <a:round/>
             <a:headEnd type="none" w="med" len="med"/>
             <a:tailEnd type="triangle" w="med" len="med"/>
@@ -4927,7 +4907,7 @@
         </p:nvSpPr>
         <p:spPr>
           <a:xfrm flipH="1" flipV="1">
-            <a:off x="5765130" y="4448560"/>
+            <a:off x="5765130" y="4378710"/>
             <a:ext cx="798830" cy="10160"/>
           </a:xfrm>
           <a:prstGeom prst="line">
@@ -5433,7 +5413,7 @@
         </p:nvSpPr>
         <p:spPr>
           <a:xfrm flipH="1" flipV="1">
-            <a:off x="6568405" y="4070735"/>
+            <a:off x="6568405" y="4014855"/>
             <a:ext cx="849630" cy="10160"/>
           </a:xfrm>
           <a:prstGeom prst="line">
@@ -5443,7 +5423,7 @@
             <a:solidFill>
               <a:schemeClr val="tx1"/>
             </a:solidFill>
-            <a:prstDash val="dash"/>
+            <a:prstDash val="solid"/>
             <a:bevel/>
             <a:headEnd type="oval" w="med" len="med"/>
             <a:tailEnd type="triangle" w="med" len="med"/>
